--- a/.doc/Contract based testing.pptx
+++ b/.doc/Contract based testing.pptx
@@ -5,10 +5,10 @@
     <p:sldMasterId id="2147483666" r:id="rId4"/>
   </p:sldMasterIdLst>
   <p:notesMasterIdLst>
-    <p:notesMasterId r:id="rId16"/>
+    <p:notesMasterId r:id="rId15"/>
   </p:notesMasterIdLst>
   <p:handoutMasterIdLst>
-    <p:handoutMasterId r:id="rId17"/>
+    <p:handoutMasterId r:id="rId16"/>
   </p:handoutMasterIdLst>
   <p:sldIdLst>
     <p:sldId id="256" r:id="rId5"/>
@@ -19,9 +19,8 @@
     <p:sldId id="304" r:id="rId10"/>
     <p:sldId id="305" r:id="rId11"/>
     <p:sldId id="306" r:id="rId12"/>
-    <p:sldId id="258" r:id="rId13"/>
-    <p:sldId id="299" r:id="rId14"/>
-    <p:sldId id="303" r:id="rId15"/>
+    <p:sldId id="299" r:id="rId13"/>
+    <p:sldId id="303" r:id="rId14"/>
   </p:sldIdLst>
   <p:sldSz cx="12192000" cy="6858000"/>
   <p:notesSz cx="6858000" cy="9144000"/>
@@ -248,7 +247,7 @@
           <a:p>
             <a:fld id="{F352A77B-D33C-49B3-A83C-450AA2ED72B3}" type="datetimeFigureOut">
               <a:rPr lang="en-US" smtClean="0"/>
-              <a:t>5/20/2024</a:t>
+              <a:t>5/22/2024</a:t>
             </a:fld>
             <a:endParaRPr lang="en-US" dirty="0"/>
           </a:p>
@@ -425,7 +424,7 @@
           <a:p>
             <a:fld id="{E38D8F9A-F5CB-4EF8-A859-ED5E107B9763}" type="datetimeFigureOut">
               <a:rPr lang="en-US" smtClean="0"/>
-              <a:t>5/20/2024</a:t>
+              <a:t>5/22/2024</a:t>
             </a:fld>
             <a:endParaRPr lang="en-US" dirty="0"/>
           </a:p>
@@ -16060,128 +16059,10 @@
       </p:grpSpPr>
       <p:sp>
         <p:nvSpPr>
-          <p:cNvPr id="2" name="Title 1">
-            <a:extLst>
-              <a:ext uri="{FF2B5EF4-FFF2-40B4-BE49-F238E27FC236}">
-                <a16:creationId xmlns:a16="http://schemas.microsoft.com/office/drawing/2014/main" id="{8A4E0A63-A388-49B1-A04E-27CE9BD622EF}"/>
-              </a:ext>
-            </a:extLst>
-          </p:cNvPr>
-          <p:cNvSpPr>
-            <a:spLocks noGrp="1"/>
-          </p:cNvSpPr>
-          <p:nvPr>
-            <p:ph type="title"/>
-          </p:nvPr>
-        </p:nvSpPr>
-        <p:spPr/>
-        <p:txBody>
-          <a:bodyPr/>
-          <a:lstStyle/>
-          <a:p>
-            <a:r>
-              <a:rPr lang="en-US" b="1" dirty="0"/>
-              <a:t>AKA platform</a:t>
-            </a:r>
-            <a:r>
-              <a:rPr lang="en-US" dirty="0"/>
-              <a:t>: Activities for Kids an adults</a:t>
-            </a:r>
-          </a:p>
-        </p:txBody>
-      </p:sp>
-      <p:sp>
-        <p:nvSpPr>
-          <p:cNvPr id="6" name="Text Placeholder 5">
-            <a:extLst>
-              <a:ext uri="{FF2B5EF4-FFF2-40B4-BE49-F238E27FC236}">
-                <a16:creationId xmlns:a16="http://schemas.microsoft.com/office/drawing/2014/main" id="{7640DF9D-0C9E-4C5D-9635-6B4DE10CCEE5}"/>
-              </a:ext>
-            </a:extLst>
-          </p:cNvPr>
-          <p:cNvSpPr>
-            <a:spLocks noGrp="1"/>
-          </p:cNvSpPr>
-          <p:nvPr>
-            <p:ph type="body" idx="1"/>
-          </p:nvPr>
-        </p:nvSpPr>
-        <p:spPr/>
-        <p:txBody>
-          <a:bodyPr vert="horz" lIns="91440" tIns="45720" rIns="91440" bIns="45720" rtlCol="0" anchor="t">
-            <a:noAutofit/>
-          </a:bodyPr>
-          <a:lstStyle/>
-          <a:p>
-            <a:r>
-              <a:rPr lang="en-US" noProof="1"/>
-              <a:t>https://github.com/oscarmoraperez/aka-plattform</a:t>
-            </a:r>
-          </a:p>
-        </p:txBody>
-      </p:sp>
-      <p:sp>
-        <p:nvSpPr>
-          <p:cNvPr id="32" name="Date Placeholder 31">
-            <a:extLst>
-              <a:ext uri="{FF2B5EF4-FFF2-40B4-BE49-F238E27FC236}">
-                <a16:creationId xmlns:a16="http://schemas.microsoft.com/office/drawing/2014/main" id="{D5DB19F8-B538-4965-BA90-ED372B99F5DC}"/>
-              </a:ext>
-            </a:extLst>
-          </p:cNvPr>
-          <p:cNvSpPr>
-            <a:spLocks noGrp="1"/>
-          </p:cNvSpPr>
-          <p:nvPr>
-            <p:ph type="dt" sz="half" idx="10"/>
-          </p:nvPr>
-        </p:nvSpPr>
-        <p:spPr/>
-        <p:txBody>
-          <a:bodyPr/>
-          <a:lstStyle/>
-          <a:p>
-            <a:r>
-              <a:rPr lang="en-US" dirty="0"/>
-              <a:t>20XX</a:t>
-            </a:r>
-          </a:p>
-        </p:txBody>
-      </p:sp>
-      <p:sp>
-        <p:nvSpPr>
-          <p:cNvPr id="3" name="Footer Placeholder 2">
-            <a:extLst>
-              <a:ext uri="{FF2B5EF4-FFF2-40B4-BE49-F238E27FC236}">
-                <a16:creationId xmlns:a16="http://schemas.microsoft.com/office/drawing/2014/main" id="{005C44B1-BA82-483C-BD91-F89067442F9E}"/>
-              </a:ext>
-            </a:extLst>
-          </p:cNvPr>
-          <p:cNvSpPr>
-            <a:spLocks noGrp="1"/>
-          </p:cNvSpPr>
-          <p:nvPr>
-            <p:ph type="ftr" sz="quarter" idx="11"/>
-          </p:nvPr>
-        </p:nvSpPr>
-        <p:spPr/>
-        <p:txBody>
-          <a:bodyPr/>
-          <a:lstStyle/>
-          <a:p>
-            <a:r>
-              <a:rPr lang="en-US" dirty="0"/>
-              <a:t>Pitch Deck</a:t>
-            </a:r>
-          </a:p>
-        </p:txBody>
-      </p:sp>
-      <p:sp>
-        <p:nvSpPr>
-          <p:cNvPr id="4" name="Slide Number Placeholder 3">
-            <a:extLst>
-              <a:ext uri="{FF2B5EF4-FFF2-40B4-BE49-F238E27FC236}">
-                <a16:creationId xmlns:a16="http://schemas.microsoft.com/office/drawing/2014/main" id="{79ED4A67-3A46-4F54-A12A-EAE1B53E6457}"/>
+          <p:cNvPr id="11" name="Slide Number Placeholder 10">
+            <a:extLst>
+              <a:ext uri="{FF2B5EF4-FFF2-40B4-BE49-F238E27FC236}">
+                <a16:creationId xmlns:a16="http://schemas.microsoft.com/office/drawing/2014/main" id="{BAD5B6F4-0A90-447A-A1AE-D75C934B6B29}"/>
               </a:ext>
             </a:extLst>
           </p:cNvPr>
@@ -16192,12 +16073,17 @@
             <p:ph type="sldNum" sz="quarter" idx="12"/>
           </p:nvPr>
         </p:nvSpPr>
-        <p:spPr/>
+        <p:spPr>
+          <a:xfrm>
+            <a:off x="8610600" y="6356350"/>
+            <a:ext cx="2743200" cy="365125"/>
+          </a:xfrm>
+        </p:spPr>
         <p:txBody>
           <a:bodyPr/>
           <a:lstStyle/>
           <a:p>
-            <a:fld id="{19B51A1E-902D-48AF-9020-955120F399B6}" type="slidenum">
+            <a:fld id="{B5CEABB6-07DC-46E8-9B57-56EC44A396E5}" type="slidenum">
               <a:rPr lang="en-US" smtClean="0"/>
               <a:pPr/>
               <a:t>10</a:t>
@@ -16206,71 +16092,6 @@
           </a:p>
         </p:txBody>
       </p:sp>
-    </p:spTree>
-    <p:extLst>
-      <p:ext uri="{BB962C8B-B14F-4D97-AF65-F5344CB8AC3E}">
-        <p14:creationId xmlns:p14="http://schemas.microsoft.com/office/powerpoint/2010/main" val="804322388"/>
-      </p:ext>
-    </p:extLst>
-  </p:cSld>
-  <p:clrMapOvr>
-    <a:masterClrMapping/>
-  </p:clrMapOvr>
-</p:sld>
-</file>
-
-<file path=ppt/slides/slide11.xml><?xml version="1.0" encoding="utf-8"?>
-<p:sld xmlns:a="http://schemas.openxmlformats.org/drawingml/2006/main" xmlns:r="http://schemas.openxmlformats.org/officeDocument/2006/relationships" xmlns:p="http://schemas.openxmlformats.org/presentationml/2006/main">
-  <p:cSld>
-    <p:spTree>
-      <p:nvGrpSpPr>
-        <p:cNvPr id="1" name=""/>
-        <p:cNvGrpSpPr/>
-        <p:nvPr/>
-      </p:nvGrpSpPr>
-      <p:grpSpPr>
-        <a:xfrm>
-          <a:off x="0" y="0"/>
-          <a:ext cx="0" cy="0"/>
-          <a:chOff x="0" y="0"/>
-          <a:chExt cx="0" cy="0"/>
-        </a:xfrm>
-      </p:grpSpPr>
-      <p:sp>
-        <p:nvSpPr>
-          <p:cNvPr id="11" name="Slide Number Placeholder 10">
-            <a:extLst>
-              <a:ext uri="{FF2B5EF4-FFF2-40B4-BE49-F238E27FC236}">
-                <a16:creationId xmlns:a16="http://schemas.microsoft.com/office/drawing/2014/main" id="{BAD5B6F4-0A90-447A-A1AE-D75C934B6B29}"/>
-              </a:ext>
-            </a:extLst>
-          </p:cNvPr>
-          <p:cNvSpPr>
-            <a:spLocks noGrp="1"/>
-          </p:cNvSpPr>
-          <p:nvPr>
-            <p:ph type="sldNum" sz="quarter" idx="12"/>
-          </p:nvPr>
-        </p:nvSpPr>
-        <p:spPr>
-          <a:xfrm>
-            <a:off x="8610600" y="6356350"/>
-            <a:ext cx="2743200" cy="365125"/>
-          </a:xfrm>
-        </p:spPr>
-        <p:txBody>
-          <a:bodyPr/>
-          <a:lstStyle/>
-          <a:p>
-            <a:fld id="{B5CEABB6-07DC-46E8-9B57-56EC44A396E5}" type="slidenum">
-              <a:rPr lang="en-US" smtClean="0"/>
-              <a:pPr/>
-              <a:t>11</a:t>
-            </a:fld>
-            <a:endParaRPr lang="en-US" dirty="0"/>
-          </a:p>
-        </p:txBody>
-      </p:sp>
       <p:sp>
         <p:nvSpPr>
           <p:cNvPr id="2" name="TextBox 1">
@@ -16306,6 +16127,36 @@
             <a:r>
               <a:rPr lang="de-CH" dirty="0"/>
               <a:t>Contracts vs Schemas</a:t>
+            </a:r>
+          </a:p>
+          <a:p>
+            <a:pPr marL="742950" lvl="1" indent="-285750">
+              <a:buFontTx/>
+              <a:buChar char="-"/>
+            </a:pPr>
+            <a:r>
+              <a:rPr lang="de-CH" dirty="0"/>
+              <a:t>Contracts are scenario based (centered on the consumer)</a:t>
+            </a:r>
+          </a:p>
+          <a:p>
+            <a:pPr marL="742950" lvl="1" indent="-285750">
+              <a:buFontTx/>
+              <a:buChar char="-"/>
+            </a:pPr>
+            <a:r>
+              <a:rPr lang="de-CH" dirty="0"/>
+              <a:t>As a producer, I see how the consumers are using the contracts</a:t>
+            </a:r>
+          </a:p>
+          <a:p>
+            <a:pPr marL="742950" lvl="1" indent="-285750">
+              <a:buFontTx/>
+              <a:buChar char="-"/>
+            </a:pPr>
+            <a:r>
+              <a:rPr lang="de-CH" dirty="0"/>
+              <a:t>Active testing support</a:t>
             </a:r>
           </a:p>
           <a:p>
@@ -16341,30 +16192,6 @@
               <a:rPr lang="de-DE" dirty="0"/>
               <a:t>REST and messaging supported (KAFKA, JMS, AMPQ)</a:t>
             </a:r>
-          </a:p>
-          <a:p>
-            <a:pPr marL="285750" indent="-285750">
-              <a:buFontTx/>
-              <a:buChar char="-"/>
-            </a:pPr>
-            <a:endParaRPr lang="de-DE" dirty="0"/>
-          </a:p>
-          <a:p>
-            <a:pPr marL="285750" indent="-285750">
-              <a:buFontTx/>
-              <a:buChar char="-"/>
-            </a:pPr>
-            <a:r>
-              <a:rPr lang="de-DE" dirty="0"/>
-              <a:t>Reduce / remove necessity of testing in higher environments</a:t>
-            </a:r>
-          </a:p>
-          <a:p>
-            <a:pPr marL="285750" indent="-285750">
-              <a:buFontTx/>
-              <a:buChar char="-"/>
-            </a:pPr>
-            <a:endParaRPr lang="de-DE" dirty="0"/>
           </a:p>
         </p:txBody>
       </p:sp>
@@ -18941,7 +18768,7 @@
             </a:r>
             <a:r>
               <a:rPr lang="de-CH" dirty="0"/>
-              <a:t>: test single integration at a time. No deploy</a:t>
+              <a:t>: test single integration at a time. </a:t>
             </a:r>
           </a:p>
           <a:p>
@@ -19794,6 +19621,96 @@
           </a:p>
         </p:txBody>
       </p:sp>
+      <p:sp>
+        <p:nvSpPr>
+          <p:cNvPr id="2" name="Rectangle 1">
+            <a:extLst>
+              <a:ext uri="{FF2B5EF4-FFF2-40B4-BE49-F238E27FC236}">
+                <a16:creationId xmlns:a16="http://schemas.microsoft.com/office/drawing/2014/main" id="{11D4C08A-E15E-4E74-8FA4-F0EDE4A406B8}"/>
+              </a:ext>
+            </a:extLst>
+          </p:cNvPr>
+          <p:cNvSpPr/>
+          <p:nvPr/>
+        </p:nvSpPr>
+        <p:spPr>
+          <a:xfrm>
+            <a:off x="419450" y="3238150"/>
+            <a:ext cx="4806891" cy="2248250"/>
+          </a:xfrm>
+          <a:prstGeom prst="rect">
+            <a:avLst/>
+          </a:prstGeom>
+          <a:noFill/>
+        </p:spPr>
+        <p:style>
+          <a:lnRef idx="2">
+            <a:schemeClr val="dk1"/>
+          </a:lnRef>
+          <a:fillRef idx="1">
+            <a:schemeClr val="lt1"/>
+          </a:fillRef>
+          <a:effectRef idx="0">
+            <a:schemeClr val="dk1"/>
+          </a:effectRef>
+          <a:fontRef idx="minor">
+            <a:schemeClr val="dk1"/>
+          </a:fontRef>
+        </p:style>
+        <p:txBody>
+          <a:bodyPr rtlCol="0" anchor="ctr"/>
+          <a:lstStyle/>
+          <a:p>
+            <a:pPr algn="ctr"/>
+            <a:endParaRPr lang="de-DE"/>
+          </a:p>
+        </p:txBody>
+      </p:sp>
+      <p:sp>
+        <p:nvSpPr>
+          <p:cNvPr id="14" name="Rectangle 13">
+            <a:extLst>
+              <a:ext uri="{FF2B5EF4-FFF2-40B4-BE49-F238E27FC236}">
+                <a16:creationId xmlns:a16="http://schemas.microsoft.com/office/drawing/2014/main" id="{3E4B169D-C214-4287-BB3B-2215DAED3F90}"/>
+              </a:ext>
+            </a:extLst>
+          </p:cNvPr>
+          <p:cNvSpPr/>
+          <p:nvPr/>
+        </p:nvSpPr>
+        <p:spPr>
+          <a:xfrm>
+            <a:off x="6729369" y="3232314"/>
+            <a:ext cx="4806891" cy="2248250"/>
+          </a:xfrm>
+          <a:prstGeom prst="rect">
+            <a:avLst/>
+          </a:prstGeom>
+          <a:noFill/>
+        </p:spPr>
+        <p:style>
+          <a:lnRef idx="2">
+            <a:schemeClr val="dk1"/>
+          </a:lnRef>
+          <a:fillRef idx="1">
+            <a:schemeClr val="lt1"/>
+          </a:fillRef>
+          <a:effectRef idx="0">
+            <a:schemeClr val="dk1"/>
+          </a:effectRef>
+          <a:fontRef idx="minor">
+            <a:schemeClr val="dk1"/>
+          </a:fontRef>
+        </p:style>
+        <p:txBody>
+          <a:bodyPr rtlCol="0" anchor="ctr"/>
+          <a:lstStyle/>
+          <a:p>
+            <a:pPr algn="ctr"/>
+            <a:endParaRPr lang="de-DE"/>
+          </a:p>
+        </p:txBody>
+      </p:sp>
     </p:spTree>
     <p:extLst>
       <p:ext uri="{BB962C8B-B14F-4D97-AF65-F5344CB8AC3E}">
@@ -23309,7 +23226,7 @@
                 </a:highlight>
                 <a:latin typeface="JetBrains Mono"/>
               </a:rPr>
-              <a:t>"id"        		</a:t>
+              <a:t>“uuid"        		</a:t>
             </a:r>
             <a:r>
               <a:rPr kumimoji="0" lang="de-DE" altLang="de-DE" sz="1800" b="0" i="0" u="none" strike="noStrike" cap="none" normalizeH="0" baseline="0" dirty="0">
@@ -24769,8 +24686,8 @@
           </a:p>
           <a:p>
             <a:r>
-              <a:rPr lang="de-DE" dirty="0"/>
-              <a:t>Consumer driven contract flow</a:t>
+              <a:rPr lang="de-DE" i="1" dirty="0"/>
+              <a:t>Consumer driven flow</a:t>
             </a:r>
           </a:p>
         </p:txBody>
@@ -24962,7 +24879,7 @@
           <a:p>
             <a:r>
               <a:rPr lang="de-DE" dirty="0"/>
-              <a:t>7)  Code and stubs are published in the artifactory (nexues)</a:t>
+              <a:t>7)  Code and stubs are published in the artifactory (nexus)</a:t>
             </a:r>
           </a:p>
         </p:txBody>
@@ -25002,7 +24919,7 @@
           <p:cNvPr id="2" name="Title 1">
             <a:extLst>
               <a:ext uri="{FF2B5EF4-FFF2-40B4-BE49-F238E27FC236}">
-                <a16:creationId xmlns:a16="http://schemas.microsoft.com/office/drawing/2014/main" id="{A29DE7F2-E890-4744-88DD-A75F5E300513}"/>
+                <a16:creationId xmlns:a16="http://schemas.microsoft.com/office/drawing/2014/main" id="{8A4E0A63-A388-49B1-A04E-27CE9BD622EF}"/>
               </a:ext>
             </a:extLst>
           </p:cNvPr>
@@ -25010,30 +24927,162 @@
             <a:spLocks noGrp="1"/>
           </p:cNvSpPr>
           <p:nvPr>
-            <p:ph type="ctrTitle"/>
+            <p:ph type="title"/>
           </p:nvPr>
         </p:nvSpPr>
         <p:spPr>
           <a:xfrm>
-            <a:off x="6991350" y="2571235"/>
-            <a:ext cx="4179570" cy="1715531"/>
-          </a:xfrm>
-        </p:spPr>
+            <a:off x="1362075" y="1526795"/>
+            <a:ext cx="6255129" cy="1996581"/>
+          </a:xfrm>
+        </p:spPr>
+        <p:txBody>
+          <a:bodyPr>
+            <a:normAutofit/>
+          </a:bodyPr>
+          <a:lstStyle/>
+          <a:p>
+            <a:r>
+              <a:rPr lang="en-US" dirty="0"/>
+              <a:t>DEMO TIME</a:t>
+            </a:r>
+            <a:br>
+              <a:rPr lang="en-US" dirty="0"/>
+            </a:br>
+            <a:br>
+              <a:rPr lang="en-US" b="1" dirty="0"/>
+            </a:br>
+            <a:r>
+              <a:rPr lang="en-US" b="1" dirty="0"/>
+              <a:t>AKA platform</a:t>
+            </a:r>
+            <a:r>
+              <a:rPr lang="en-US" dirty="0"/>
+              <a:t>: Activities for Kids an adults</a:t>
+            </a:r>
+          </a:p>
+        </p:txBody>
+      </p:sp>
+      <p:sp>
+        <p:nvSpPr>
+          <p:cNvPr id="6" name="Text Placeholder 5">
+            <a:extLst>
+              <a:ext uri="{FF2B5EF4-FFF2-40B4-BE49-F238E27FC236}">
+                <a16:creationId xmlns:a16="http://schemas.microsoft.com/office/drawing/2014/main" id="{7640DF9D-0C9E-4C5D-9635-6B4DE10CCEE5}"/>
+              </a:ext>
+            </a:extLst>
+          </p:cNvPr>
+          <p:cNvSpPr>
+            <a:spLocks noGrp="1"/>
+          </p:cNvSpPr>
+          <p:nvPr>
+            <p:ph type="body" idx="1"/>
+          </p:nvPr>
+        </p:nvSpPr>
+        <p:spPr/>
+        <p:txBody>
+          <a:bodyPr vert="horz" lIns="91440" tIns="45720" rIns="91440" bIns="45720" rtlCol="0" anchor="t">
+            <a:noAutofit/>
+          </a:bodyPr>
+          <a:lstStyle/>
+          <a:p>
+            <a:r>
+              <a:rPr lang="en-US" noProof="1"/>
+              <a:t>https://github.com/oscarmoraperez/aka-plattform</a:t>
+            </a:r>
+          </a:p>
+        </p:txBody>
+      </p:sp>
+      <p:sp>
+        <p:nvSpPr>
+          <p:cNvPr id="32" name="Date Placeholder 31">
+            <a:extLst>
+              <a:ext uri="{FF2B5EF4-FFF2-40B4-BE49-F238E27FC236}">
+                <a16:creationId xmlns:a16="http://schemas.microsoft.com/office/drawing/2014/main" id="{D5DB19F8-B538-4965-BA90-ED372B99F5DC}"/>
+              </a:ext>
+            </a:extLst>
+          </p:cNvPr>
+          <p:cNvSpPr>
+            <a:spLocks noGrp="1"/>
+          </p:cNvSpPr>
+          <p:nvPr>
+            <p:ph type="dt" sz="half" idx="10"/>
+          </p:nvPr>
+        </p:nvSpPr>
+        <p:spPr/>
         <p:txBody>
           <a:bodyPr/>
           <a:lstStyle/>
           <a:p>
             <a:r>
               <a:rPr lang="en-US" dirty="0"/>
-              <a:t>DEMO time!</a:t>
-            </a:r>
+              <a:t>20XX</a:t>
+            </a:r>
+          </a:p>
+        </p:txBody>
+      </p:sp>
+      <p:sp>
+        <p:nvSpPr>
+          <p:cNvPr id="3" name="Footer Placeholder 2">
+            <a:extLst>
+              <a:ext uri="{FF2B5EF4-FFF2-40B4-BE49-F238E27FC236}">
+                <a16:creationId xmlns:a16="http://schemas.microsoft.com/office/drawing/2014/main" id="{005C44B1-BA82-483C-BD91-F89067442F9E}"/>
+              </a:ext>
+            </a:extLst>
+          </p:cNvPr>
+          <p:cNvSpPr>
+            <a:spLocks noGrp="1"/>
+          </p:cNvSpPr>
+          <p:nvPr>
+            <p:ph type="ftr" sz="quarter" idx="11"/>
+          </p:nvPr>
+        </p:nvSpPr>
+        <p:spPr/>
+        <p:txBody>
+          <a:bodyPr/>
+          <a:lstStyle/>
+          <a:p>
+            <a:r>
+              <a:rPr lang="en-US" dirty="0"/>
+              <a:t>Pitch Deck</a:t>
+            </a:r>
+          </a:p>
+        </p:txBody>
+      </p:sp>
+      <p:sp>
+        <p:nvSpPr>
+          <p:cNvPr id="4" name="Slide Number Placeholder 3">
+            <a:extLst>
+              <a:ext uri="{FF2B5EF4-FFF2-40B4-BE49-F238E27FC236}">
+                <a16:creationId xmlns:a16="http://schemas.microsoft.com/office/drawing/2014/main" id="{79ED4A67-3A46-4F54-A12A-EAE1B53E6457}"/>
+              </a:ext>
+            </a:extLst>
+          </p:cNvPr>
+          <p:cNvSpPr>
+            <a:spLocks noGrp="1"/>
+          </p:cNvSpPr>
+          <p:nvPr>
+            <p:ph type="sldNum" sz="quarter" idx="12"/>
+          </p:nvPr>
+        </p:nvSpPr>
+        <p:spPr/>
+        <p:txBody>
+          <a:bodyPr/>
+          <a:lstStyle/>
+          <a:p>
+            <a:fld id="{19B51A1E-902D-48AF-9020-955120F399B6}" type="slidenum">
+              <a:rPr lang="en-US" smtClean="0"/>
+              <a:pPr/>
+              <a:t>9</a:t>
+            </a:fld>
+            <a:endParaRPr lang="en-US" dirty="0"/>
           </a:p>
         </p:txBody>
       </p:sp>
     </p:spTree>
     <p:extLst>
       <p:ext uri="{BB962C8B-B14F-4D97-AF65-F5344CB8AC3E}">
-        <p14:creationId xmlns:p14="http://schemas.microsoft.com/office/powerpoint/2010/main" val="707789176"/>
+        <p14:creationId xmlns:p14="http://schemas.microsoft.com/office/powerpoint/2010/main" val="804322388"/>
       </p:ext>
     </p:extLst>
   </p:cSld>
